--- a/TDD In Action - shorter.pptx
+++ b/TDD In Action - shorter.pptx
@@ -5,7 +5,7 @@
     <p:sldMasterId id="2147483840" r:id="rId1"/>
   </p:sldMasterIdLst>
   <p:notesMasterIdLst>
-    <p:notesMasterId r:id="rId41"/>
+    <p:notesMasterId r:id="rId39"/>
   </p:notesMasterIdLst>
   <p:sldIdLst>
     <p:sldId id="320" r:id="rId2"/>
@@ -44,9 +44,7 @@
     <p:sldId id="397" r:id="rId35"/>
     <p:sldId id="401" r:id="rId36"/>
     <p:sldId id="398" r:id="rId37"/>
-    <p:sldId id="400" r:id="rId38"/>
-    <p:sldId id="408" r:id="rId39"/>
-    <p:sldId id="399" r:id="rId40"/>
+    <p:sldId id="399" r:id="rId38"/>
   </p:sldIdLst>
   <p:sldSz cx="9144000" cy="6858000" type="screen4x3"/>
   <p:notesSz cx="6858000" cy="9144000"/>
@@ -231,7 +229,7 @@
             <a:fld id="{CE22DD2D-CE48-432A-B750-FE638311F72D}" type="datetimeFigureOut">
               <a:rPr lang="en-US" smtClean="0"/>
               <a:pPr/>
-              <a:t>6/4/2010</a:t>
+              <a:t>9/27/2010</a:t>
             </a:fld>
             <a:endParaRPr lang="en-US"/>
           </a:p>
@@ -1062,15 +1060,7 @@
           <a:p>
             <a:r>
               <a:rPr lang="en-US" dirty="0" smtClean="0"/>
-              <a:t>My </a:t>
-            </a:r>
-            <a:r>
-              <a:rPr lang="en-US" dirty="0" smtClean="0"/>
-              <a:t>definition </a:t>
-            </a:r>
-            <a:r>
-              <a:rPr lang="en-US" dirty="0" smtClean="0"/>
-              <a:t>of</a:t>
+              <a:t>My definition of</a:t>
             </a:r>
             <a:r>
               <a:rPr lang="en-US" baseline="0" dirty="0" smtClean="0"/>
@@ -2222,7 +2212,7 @@
             <a:fld id="{C3F416CD-67A3-4CF0-A210-F6AF31AC147F}" type="datetimeFigureOut">
               <a:rPr lang="en-US" smtClean="0"/>
               <a:pPr/>
-              <a:t>6/4/2010</a:t>
+              <a:t>9/27/2010</a:t>
             </a:fld>
             <a:endParaRPr lang="en-US"/>
           </a:p>
@@ -2402,7 +2392,7 @@
             <a:fld id="{C3F416CD-67A3-4CF0-A210-F6AF31AC147F}" type="datetimeFigureOut">
               <a:rPr lang="en-US" smtClean="0"/>
               <a:pPr/>
-              <a:t>6/4/2010</a:t>
+              <a:t>9/27/2010</a:t>
             </a:fld>
             <a:endParaRPr lang="en-US"/>
           </a:p>
@@ -2579,7 +2569,7 @@
             <a:fld id="{C3F416CD-67A3-4CF0-A210-F6AF31AC147F}" type="datetimeFigureOut">
               <a:rPr lang="en-US" smtClean="0"/>
               <a:pPr/>
-              <a:t>6/4/2010</a:t>
+              <a:t>9/27/2010</a:t>
             </a:fld>
             <a:endParaRPr lang="en-US"/>
           </a:p>
@@ -2746,7 +2736,7 @@
             <a:fld id="{C3F416CD-67A3-4CF0-A210-F6AF31AC147F}" type="datetimeFigureOut">
               <a:rPr lang="en-US" smtClean="0"/>
               <a:pPr/>
-              <a:t>6/4/2010</a:t>
+              <a:t>9/27/2010</a:t>
             </a:fld>
             <a:endParaRPr lang="en-US"/>
           </a:p>
@@ -2959,7 +2949,7 @@
             <a:fld id="{C3F416CD-67A3-4CF0-A210-F6AF31AC147F}" type="datetimeFigureOut">
               <a:rPr lang="en-US" smtClean="0"/>
               <a:pPr/>
-              <a:t>6/4/2010</a:t>
+              <a:t>9/27/2010</a:t>
             </a:fld>
             <a:endParaRPr lang="en-US"/>
           </a:p>
@@ -3244,7 +3234,7 @@
             <a:fld id="{C3F416CD-67A3-4CF0-A210-F6AF31AC147F}" type="datetimeFigureOut">
               <a:rPr lang="en-US" smtClean="0"/>
               <a:pPr/>
-              <a:t>6/4/2010</a:t>
+              <a:t>9/27/2010</a:t>
             </a:fld>
             <a:endParaRPr lang="en-US"/>
           </a:p>
@@ -3676,7 +3666,7 @@
             <a:fld id="{C3F416CD-67A3-4CF0-A210-F6AF31AC147F}" type="datetimeFigureOut">
               <a:rPr lang="en-US" smtClean="0"/>
               <a:pPr algn="l" eaLnBrk="1" latinLnBrk="0" hangingPunct="1"/>
-              <a:t>6/4/2010</a:t>
+              <a:t>9/27/2010</a:t>
             </a:fld>
             <a:endParaRPr lang="en-US"/>
           </a:p>
@@ -3796,7 +3786,7 @@
             <a:fld id="{C3F416CD-67A3-4CF0-A210-F6AF31AC147F}" type="datetimeFigureOut">
               <a:rPr lang="en-US" smtClean="0"/>
               <a:pPr/>
-              <a:t>6/4/2010</a:t>
+              <a:t>9/27/2010</a:t>
             </a:fld>
             <a:endParaRPr lang="en-US"/>
           </a:p>
@@ -3888,7 +3878,7 @@
             <a:fld id="{C3F416CD-67A3-4CF0-A210-F6AF31AC147F}" type="datetimeFigureOut">
               <a:rPr lang="en-US" smtClean="0"/>
               <a:pPr/>
-              <a:t>6/4/2010</a:t>
+              <a:t>9/27/2010</a:t>
             </a:fld>
             <a:endParaRPr lang="en-US"/>
           </a:p>
@@ -4179,7 +4169,7 @@
             <a:fld id="{C3F416CD-67A3-4CF0-A210-F6AF31AC147F}" type="datetimeFigureOut">
               <a:rPr lang="en-US" smtClean="0"/>
               <a:pPr/>
-              <a:t>6/4/2010</a:t>
+              <a:t>9/27/2010</a:t>
             </a:fld>
             <a:endParaRPr lang="en-US"/>
           </a:p>
@@ -4506,7 +4496,7 @@
             <a:fld id="{C3F416CD-67A3-4CF0-A210-F6AF31AC147F}" type="datetimeFigureOut">
               <a:rPr lang="en-US" smtClean="0"/>
               <a:pPr/>
-              <a:t>6/4/2010</a:t>
+              <a:t>9/27/2010</a:t>
             </a:fld>
             <a:endParaRPr lang="en-US"/>
           </a:p>
@@ -4727,7 +4717,7 @@
             <a:fld id="{C3F416CD-67A3-4CF0-A210-F6AF31AC147F}" type="datetimeFigureOut">
               <a:rPr lang="en-US" smtClean="0"/>
               <a:pPr algn="l" eaLnBrk="1" latinLnBrk="0" hangingPunct="1"/>
-              <a:t>6/4/2010</a:t>
+              <a:t>9/27/2010</a:t>
             </a:fld>
             <a:endParaRPr lang="en-US" sz="800" dirty="0">
               <a:solidFill>
@@ -7635,31 +7625,64 @@
           <a:p>
             <a:r>
               <a:rPr lang="en-US" dirty="0" smtClean="0"/>
-              <a:t>I don’t have time to fix bugs</a:t>
-            </a:r>
-          </a:p>
-          <a:p>
+              <a:t>It takes </a:t>
+            </a:r>
             <a:r>
               <a:rPr lang="en-US" dirty="0" smtClean="0"/>
-              <a:t>I don’t have time to constantly manually test code to see if it’s all working</a:t>
+              <a:t>time to fix bugs</a:t>
             </a:r>
           </a:p>
           <a:p>
             <a:r>
               <a:rPr lang="en-US" dirty="0" smtClean="0"/>
-              <a:t>I don’t have time to figure out what your code is supposed to do</a:t>
-            </a:r>
-          </a:p>
-          <a:p>
+              <a:t>It takes time </a:t>
+            </a:r>
             <a:r>
               <a:rPr lang="en-US" dirty="0" smtClean="0"/>
-              <a:t>I don’t have time to figure out if my changes will break something in your code</a:t>
+              <a:t>to constantly manually test code to see if it’s all working</a:t>
             </a:r>
           </a:p>
           <a:p>
             <a:r>
               <a:rPr lang="en-US" dirty="0" smtClean="0"/>
-              <a:t>I don’t have time to rewrite code</a:t>
+              <a:t>It takes time </a:t>
+            </a:r>
+            <a:r>
+              <a:rPr lang="en-US" dirty="0" smtClean="0"/>
+              <a:t>to figure out what </a:t>
+            </a:r>
+            <a:r>
+              <a:rPr lang="en-US" dirty="0" smtClean="0"/>
+              <a:t>someone’s </a:t>
+            </a:r>
+            <a:r>
+              <a:rPr lang="en-US" dirty="0" smtClean="0"/>
+              <a:t>code is supposed to do</a:t>
+            </a:r>
+          </a:p>
+          <a:p>
+            <a:r>
+              <a:rPr lang="en-US" dirty="0" smtClean="0"/>
+              <a:t>It takes time </a:t>
+            </a:r>
+            <a:r>
+              <a:rPr lang="en-US" dirty="0" smtClean="0"/>
+              <a:t>to figure out if my changes will break something in </a:t>
+            </a:r>
+            <a:r>
+              <a:rPr lang="en-US" dirty="0" smtClean="0"/>
+              <a:t>the code</a:t>
+            </a:r>
+            <a:endParaRPr lang="en-US" dirty="0" smtClean="0"/>
+          </a:p>
+          <a:p>
+            <a:r>
+              <a:rPr lang="en-US" dirty="0" smtClean="0"/>
+              <a:t>It takes time </a:t>
+            </a:r>
+            <a:r>
+              <a:rPr lang="en-US" dirty="0" smtClean="0"/>
+              <a:t>to rewrite code</a:t>
             </a:r>
             <a:endParaRPr lang="en-US" dirty="0"/>
           </a:p>
@@ -9789,322 +9812,6 @@
           <a:p>
             <a:r>
               <a:rPr lang="en-US" dirty="0" smtClean="0"/>
-              <a:t>Resources – Training</a:t>
-            </a:r>
-            <a:endParaRPr lang="en-US" dirty="0"/>
-          </a:p>
-        </p:txBody>
-      </p:sp>
-      <p:sp>
-        <p:nvSpPr>
-          <p:cNvPr id="3" name="Content Placeholder 2"/>
-          <p:cNvSpPr>
-            <a:spLocks noGrp="1"/>
-          </p:cNvSpPr>
-          <p:nvPr>
-            <p:ph idx="1"/>
-          </p:nvPr>
-        </p:nvSpPr>
-        <p:spPr>
-          <a:xfrm>
-            <a:off x="457200" y="1600200"/>
-            <a:ext cx="8229600" cy="4953000"/>
-          </a:xfrm>
-        </p:spPr>
-        <p:txBody>
-          <a:bodyPr>
-            <a:normAutofit/>
-          </a:bodyPr>
-          <a:lstStyle/>
-          <a:p>
-            <a:r>
-              <a:rPr lang="en-US" dirty="0" smtClean="0"/>
-              <a:t>TDD Boot Camp (.NET)</a:t>
-            </a:r>
-          </a:p>
-          <a:p>
-            <a:pPr lvl="1"/>
-            <a:r>
-              <a:rPr lang="en-US" sz="2800" dirty="0" smtClean="0">
-                <a:hlinkClick r:id="rId2"/>
-              </a:rPr>
-              <a:t>http://tddbootcamp.com</a:t>
-            </a:r>
-            <a:endParaRPr lang="en-US" sz="2800" dirty="0" smtClean="0"/>
-          </a:p>
-          <a:p>
-            <a:pPr lvl="1"/>
-            <a:r>
-              <a:rPr lang="en-US" sz="2800" dirty="0" smtClean="0"/>
-              <a:t>Columbus </a:t>
-            </a:r>
-            <a:r>
-              <a:rPr lang="en-US" sz="2800" dirty="0" smtClean="0"/>
-              <a:t>– July 13-15</a:t>
-            </a:r>
-          </a:p>
-          <a:p>
-            <a:pPr lvl="1"/>
-            <a:r>
-              <a:rPr lang="en-US" sz="2800" dirty="0" smtClean="0"/>
-              <a:t>Detroit – Aug. 18-20</a:t>
-            </a:r>
-            <a:br>
-              <a:rPr lang="en-US" sz="2800" dirty="0" smtClean="0"/>
-            </a:br>
-            <a:endParaRPr lang="en-US" sz="2800" dirty="0" smtClean="0"/>
-          </a:p>
-          <a:p>
-            <a:pPr lvl="1">
-              <a:buNone/>
-            </a:pPr>
-            <a:endParaRPr lang="en-US" sz="2800" dirty="0" smtClean="0"/>
-          </a:p>
-          <a:p>
-            <a:pPr lvl="1">
-              <a:buNone/>
-            </a:pPr>
-            <a:endParaRPr lang="en-US" sz="2800" dirty="0" smtClean="0"/>
-          </a:p>
-          <a:p>
-            <a:pPr lvl="1">
-              <a:buNone/>
-            </a:pPr>
-            <a:endParaRPr lang="en-US" sz="2800" dirty="0" smtClean="0"/>
-          </a:p>
-        </p:txBody>
-      </p:sp>
-    </p:spTree>
-  </p:cSld>
-  <p:clrMapOvr>
-    <a:masterClrMapping/>
-  </p:clrMapOvr>
-  <p:timing>
-    <p:tnLst>
-      <p:par>
-        <p:cTn id="1" dur="indefinite" restart="never" nodeType="tmRoot"/>
-      </p:par>
-    </p:tnLst>
-  </p:timing>
-</p:sld>
-</file>
-
-<file path=ppt/slides/slide38.xml><?xml version="1.0" encoding="utf-8"?>
-<p:sld xmlns:a="http://schemas.openxmlformats.org/drawingml/2006/main" xmlns:r="http://schemas.openxmlformats.org/officeDocument/2006/relationships" xmlns:p="http://schemas.openxmlformats.org/presentationml/2006/main" show="0">
-  <p:cSld>
-    <p:spTree>
-      <p:nvGrpSpPr>
-        <p:cNvPr id="1" name=""/>
-        <p:cNvGrpSpPr/>
-        <p:nvPr/>
-      </p:nvGrpSpPr>
-      <p:grpSpPr>
-        <a:xfrm>
-          <a:off x="0" y="0"/>
-          <a:ext cx="0" cy="0"/>
-          <a:chOff x="0" y="0"/>
-          <a:chExt cx="0" cy="0"/>
-        </a:xfrm>
-      </p:grpSpPr>
-      <p:sp>
-        <p:nvSpPr>
-          <p:cNvPr id="2" name="Title 1"/>
-          <p:cNvSpPr>
-            <a:spLocks noGrp="1"/>
-          </p:cNvSpPr>
-          <p:nvPr>
-            <p:ph type="title"/>
-          </p:nvPr>
-        </p:nvSpPr>
-        <p:spPr/>
-        <p:txBody>
-          <a:bodyPr>
-            <a:normAutofit/>
-          </a:bodyPr>
-          <a:lstStyle/>
-          <a:p>
-            <a:r>
-              <a:rPr lang="en-US" dirty="0" smtClean="0"/>
-              <a:t>Resources – Training</a:t>
-            </a:r>
-            <a:endParaRPr lang="en-US" dirty="0"/>
-          </a:p>
-        </p:txBody>
-      </p:sp>
-      <p:sp>
-        <p:nvSpPr>
-          <p:cNvPr id="3" name="Content Placeholder 2"/>
-          <p:cNvSpPr>
-            <a:spLocks noGrp="1"/>
-          </p:cNvSpPr>
-          <p:nvPr>
-            <p:ph idx="1"/>
-          </p:nvPr>
-        </p:nvSpPr>
-        <p:spPr>
-          <a:xfrm>
-            <a:off x="457200" y="1600200"/>
-            <a:ext cx="8229600" cy="4953000"/>
-          </a:xfrm>
-        </p:spPr>
-        <p:txBody>
-          <a:bodyPr>
-            <a:normAutofit/>
-          </a:bodyPr>
-          <a:lstStyle/>
-          <a:p>
-            <a:r>
-              <a:rPr lang="en-US" dirty="0" smtClean="0"/>
-              <a:t>TDD Boot Camp (.NET)</a:t>
-            </a:r>
-          </a:p>
-          <a:p>
-            <a:pPr lvl="1"/>
-            <a:r>
-              <a:rPr lang="en-US" sz="2800" dirty="0" smtClean="0">
-                <a:hlinkClick r:id="rId2"/>
-              </a:rPr>
-              <a:t>http://tddbootcamp.com</a:t>
-            </a:r>
-            <a:endParaRPr lang="en-US" sz="2800" dirty="0" smtClean="0"/>
-          </a:p>
-          <a:p>
-            <a:pPr lvl="1"/>
-            <a:r>
-              <a:rPr lang="en-US" sz="2800" dirty="0" smtClean="0"/>
-              <a:t>Columbus </a:t>
-            </a:r>
-            <a:r>
-              <a:rPr lang="en-US" sz="2800" dirty="0" smtClean="0"/>
-              <a:t>– July 13-15</a:t>
-            </a:r>
-          </a:p>
-          <a:p>
-            <a:pPr lvl="1"/>
-            <a:r>
-              <a:rPr lang="en-US" sz="2800" dirty="0" smtClean="0"/>
-              <a:t>Detroit – Aug. 18-20</a:t>
-            </a:r>
-            <a:br>
-              <a:rPr lang="en-US" sz="2800" dirty="0" smtClean="0"/>
-            </a:br>
-            <a:endParaRPr lang="en-US" sz="2800" dirty="0" smtClean="0"/>
-          </a:p>
-          <a:p>
-            <a:r>
-              <a:rPr lang="en-US" dirty="0" smtClean="0"/>
-              <a:t>Pillar Technology (Java)</a:t>
-            </a:r>
-          </a:p>
-          <a:p>
-            <a:pPr lvl="1"/>
-            <a:r>
-              <a:rPr lang="en-US" sz="2800" dirty="0" smtClean="0">
-                <a:hlinkClick r:id="rId3"/>
-              </a:rPr>
-              <a:t>http://pillartechnology.com</a:t>
-            </a:r>
-            <a:r>
-              <a:rPr lang="en-US" sz="2800" dirty="0" smtClean="0"/>
-              <a:t/>
-            </a:r>
-            <a:br>
-              <a:rPr lang="en-US" sz="2800" dirty="0" smtClean="0"/>
-            </a:br>
-            <a:endParaRPr lang="en-US" sz="2800" dirty="0" smtClean="0"/>
-          </a:p>
-          <a:p>
-            <a:r>
-              <a:rPr lang="en-US" dirty="0" err="1" smtClean="0"/>
-              <a:t>EdgeCase</a:t>
-            </a:r>
-            <a:r>
-              <a:rPr lang="en-US" dirty="0" smtClean="0"/>
-              <a:t> (Ruby on Rails)</a:t>
-            </a:r>
-          </a:p>
-          <a:p>
-            <a:pPr lvl="1"/>
-            <a:r>
-              <a:rPr lang="en-US" sz="2800" dirty="0" smtClean="0">
-                <a:hlinkClick r:id="rId4"/>
-              </a:rPr>
-              <a:t>http://edgecase.com</a:t>
-            </a:r>
-            <a:endParaRPr lang="en-US" sz="2800" dirty="0" smtClean="0"/>
-          </a:p>
-          <a:p>
-            <a:pPr lvl="1">
-              <a:buNone/>
-            </a:pPr>
-            <a:endParaRPr lang="en-US" sz="2800" dirty="0" smtClean="0"/>
-          </a:p>
-          <a:p>
-            <a:pPr lvl="1">
-              <a:buNone/>
-            </a:pPr>
-            <a:endParaRPr lang="en-US" sz="2800" dirty="0" smtClean="0"/>
-          </a:p>
-          <a:p>
-            <a:pPr lvl="1">
-              <a:buNone/>
-            </a:pPr>
-            <a:endParaRPr lang="en-US" sz="2800" dirty="0" smtClean="0"/>
-          </a:p>
-        </p:txBody>
-      </p:sp>
-    </p:spTree>
-  </p:cSld>
-  <p:clrMapOvr>
-    <a:masterClrMapping/>
-  </p:clrMapOvr>
-  <p:transition/>
-  <p:timing>
-    <p:tnLst>
-      <p:par>
-        <p:cTn id="1" dur="indefinite" restart="never" nodeType="tmRoot"/>
-      </p:par>
-    </p:tnLst>
-  </p:timing>
-</p:sld>
-</file>
-
-<file path=ppt/slides/slide39.xml><?xml version="1.0" encoding="utf-8"?>
-<p:sld xmlns:a="http://schemas.openxmlformats.org/drawingml/2006/main" xmlns:r="http://schemas.openxmlformats.org/officeDocument/2006/relationships" xmlns:p="http://schemas.openxmlformats.org/presentationml/2006/main">
-  <p:cSld>
-    <p:spTree>
-      <p:nvGrpSpPr>
-        <p:cNvPr id="1" name=""/>
-        <p:cNvGrpSpPr/>
-        <p:nvPr/>
-      </p:nvGrpSpPr>
-      <p:grpSpPr>
-        <a:xfrm>
-          <a:off x="0" y="0"/>
-          <a:ext cx="0" cy="0"/>
-          <a:chOff x="0" y="0"/>
-          <a:chExt cx="0" cy="0"/>
-        </a:xfrm>
-      </p:grpSpPr>
-      <p:sp>
-        <p:nvSpPr>
-          <p:cNvPr id="2" name="Title 1"/>
-          <p:cNvSpPr>
-            <a:spLocks noGrp="1"/>
-          </p:cNvSpPr>
-          <p:nvPr>
-            <p:ph type="title"/>
-          </p:nvPr>
-        </p:nvSpPr>
-        <p:spPr/>
-        <p:txBody>
-          <a:bodyPr>
-            <a:normAutofit/>
-          </a:bodyPr>
-          <a:lstStyle/>
-          <a:p>
-            <a:r>
-              <a:rPr lang="en-US" dirty="0" smtClean="0"/>
               <a:t>My Info</a:t>
             </a:r>
             <a:endParaRPr lang="en-US" dirty="0"/>
